--- a/Zálohovací technologie pro infrastrukturní systémy.pptx
+++ b/Zálohovací technologie pro infrastrukturní systémy.pptx
@@ -4010,6 +4010,43 @@
           </a:p>
         </p:txBody>
       </p:sp>
+      <p:sp>
+        <p:nvSpPr>
+          <p:cNvPr id="13" name="TextovéPole 12">
+            <a:extLst>
+              <a:ext uri="{FF2B5EF4-FFF2-40B4-BE49-F238E27FC236}">
+                <a16:creationId xmlns:a16="http://schemas.microsoft.com/office/drawing/2014/main" id="{AE5A2662-7A74-1574-34E2-C772B6E68641}"/>
+              </a:ext>
+            </a:extLst>
+          </p:cNvPr>
+          <p:cNvSpPr txBox="1"/>
+          <p:nvPr/>
+        </p:nvSpPr>
+        <p:spPr>
+          <a:xfrm>
+            <a:off x="1049353" y="3068467"/>
+            <a:ext cx="1276598" cy="369332"/>
+          </a:xfrm>
+          <a:prstGeom prst="rect">
+            <a:avLst/>
+          </a:prstGeom>
+          <a:noFill/>
+        </p:spPr>
+        <p:txBody>
+          <a:bodyPr wrap="square" rtlCol="0">
+            <a:spAutoFit/>
+          </a:bodyPr>
+          <a:lstStyle/>
+          <a:p>
+            <a:r>
+              <a:rPr lang="cs-CZ" b="1" dirty="0">
+                <a:latin typeface="+mj-lt"/>
+              </a:rPr>
+              <a:t>2023-05-26</a:t>
+            </a:r>
+          </a:p>
+        </p:txBody>
+      </p:sp>
     </p:spTree>
     <p:extLst>
       <p:ext uri="{BB962C8B-B14F-4D97-AF65-F5344CB8AC3E}">
@@ -4608,13 +4645,13 @@
   <p:clrMapOvr>
     <a:masterClrMapping/>
   </p:clrMapOvr>
-  <mc:AlternateContent xmlns:mc="http://schemas.openxmlformats.org/markup-compatibility/2006">
-    <mc:Choice xmlns:p14="http://schemas.microsoft.com/office/powerpoint/2010/main" Requires="p14">
+  <mc:AlternateContent xmlns:mc="http://schemas.openxmlformats.org/markup-compatibility/2006" xmlns:p14="http://schemas.microsoft.com/office/powerpoint/2010/main">
+    <mc:Choice Requires="p14">
       <p:transition spd="slow" p14:dur="1500">
         <p14:reveal thruBlk="1"/>
       </p:transition>
     </mc:Choice>
-    <mc:Fallback>
+    <mc:Fallback xmlns="">
       <p:transition spd="slow">
         <p:fade/>
       </p:transition>
@@ -5192,13 +5229,13 @@
   <p:clrMapOvr>
     <a:masterClrMapping/>
   </p:clrMapOvr>
-  <mc:AlternateContent xmlns:mc="http://schemas.openxmlformats.org/markup-compatibility/2006">
-    <mc:Choice xmlns:p14="http://schemas.microsoft.com/office/powerpoint/2010/main" Requires="p14">
+  <mc:AlternateContent xmlns:mc="http://schemas.openxmlformats.org/markup-compatibility/2006" xmlns:p14="http://schemas.microsoft.com/office/powerpoint/2010/main">
+    <mc:Choice Requires="p14">
       <p:transition spd="slow" p14:dur="1500">
         <p14:reveal thruBlk="1"/>
       </p:transition>
     </mc:Choice>
-    <mc:Fallback>
+    <mc:Fallback xmlns="">
       <p:transition spd="slow">
         <p:fade/>
       </p:transition>
@@ -5702,13 +5739,13 @@
   <p:clrMapOvr>
     <a:masterClrMapping/>
   </p:clrMapOvr>
-  <mc:AlternateContent xmlns:mc="http://schemas.openxmlformats.org/markup-compatibility/2006">
-    <mc:Choice xmlns:p14="http://schemas.microsoft.com/office/powerpoint/2010/main" Requires="p14">
+  <mc:AlternateContent xmlns:mc="http://schemas.openxmlformats.org/markup-compatibility/2006" xmlns:p14="http://schemas.microsoft.com/office/powerpoint/2010/main">
+    <mc:Choice Requires="p14">
       <p:transition spd="slow" p14:dur="1500">
         <p14:reveal thruBlk="1"/>
       </p:transition>
     </mc:Choice>
-    <mc:Fallback>
+    <mc:Fallback xmlns="">
       <p:transition spd="slow">
         <p:fade/>
       </p:transition>
@@ -6258,13 +6295,13 @@
   <p:clrMapOvr>
     <a:masterClrMapping/>
   </p:clrMapOvr>
-  <mc:AlternateContent xmlns:mc="http://schemas.openxmlformats.org/markup-compatibility/2006">
-    <mc:Choice xmlns:p14="http://schemas.microsoft.com/office/powerpoint/2010/main" Requires="p14">
+  <mc:AlternateContent xmlns:mc="http://schemas.openxmlformats.org/markup-compatibility/2006" xmlns:p14="http://schemas.microsoft.com/office/powerpoint/2010/main">
+    <mc:Choice Requires="p14">
       <p:transition spd="slow" p14:dur="1500">
         <p14:reveal thruBlk="1"/>
       </p:transition>
     </mc:Choice>
-    <mc:Fallback>
+    <mc:Fallback xmlns="">
       <p:transition spd="slow">
         <p:fade/>
       </p:transition>
@@ -6815,13 +6852,13 @@
   <p:clrMapOvr>
     <a:masterClrMapping/>
   </p:clrMapOvr>
-  <mc:AlternateContent xmlns:mc="http://schemas.openxmlformats.org/markup-compatibility/2006">
-    <mc:Choice xmlns:p14="http://schemas.microsoft.com/office/powerpoint/2010/main" Requires="p14">
+  <mc:AlternateContent xmlns:mc="http://schemas.openxmlformats.org/markup-compatibility/2006" xmlns:p14="http://schemas.microsoft.com/office/powerpoint/2010/main">
+    <mc:Choice Requires="p14">
       <p:transition spd="slow" p14:dur="1500">
         <p14:reveal thruBlk="1"/>
       </p:transition>
     </mc:Choice>
-    <mc:Fallback>
+    <mc:Fallback xmlns="">
       <p:transition spd="slow">
         <p:fade/>
       </p:transition>
@@ -9191,13 +9228,13 @@
   <p:clrMapOvr>
     <a:masterClrMapping/>
   </p:clrMapOvr>
-  <mc:AlternateContent xmlns:mc="http://schemas.openxmlformats.org/markup-compatibility/2006">
-    <mc:Choice xmlns:p14="http://schemas.microsoft.com/office/powerpoint/2010/main" Requires="p14">
+  <mc:AlternateContent xmlns:mc="http://schemas.openxmlformats.org/markup-compatibility/2006" xmlns:p14="http://schemas.microsoft.com/office/powerpoint/2010/main">
+    <mc:Choice Requires="p14">
       <p:transition spd="slow" p14:dur="1500">
         <p14:reveal thruBlk="1"/>
       </p:transition>
     </mc:Choice>
-    <mc:Fallback>
+    <mc:Fallback xmlns="">
       <p:transition spd="slow">
         <p:fade/>
       </p:transition>
@@ -9757,13 +9794,13 @@
   <p:clrMapOvr>
     <a:masterClrMapping/>
   </p:clrMapOvr>
-  <mc:AlternateContent xmlns:mc="http://schemas.openxmlformats.org/markup-compatibility/2006">
-    <mc:Choice xmlns:p14="http://schemas.microsoft.com/office/powerpoint/2010/main" Requires="p14">
+  <mc:AlternateContent xmlns:mc="http://schemas.openxmlformats.org/markup-compatibility/2006" xmlns:p14="http://schemas.microsoft.com/office/powerpoint/2010/main">
+    <mc:Choice Requires="p14">
       <p:transition spd="slow" p14:dur="1500">
         <p14:reveal thruBlk="1"/>
       </p:transition>
     </mc:Choice>
-    <mc:Fallback>
+    <mc:Fallback xmlns="">
       <p:transition spd="slow">
         <p:fade/>
       </p:transition>
@@ -10274,13 +10311,13 @@
   <p:clrMapOvr>
     <a:masterClrMapping/>
   </p:clrMapOvr>
-  <mc:AlternateContent xmlns:mc="http://schemas.openxmlformats.org/markup-compatibility/2006">
-    <mc:Choice xmlns:p14="http://schemas.microsoft.com/office/powerpoint/2010/main" Requires="p14">
+  <mc:AlternateContent xmlns:mc="http://schemas.openxmlformats.org/markup-compatibility/2006" xmlns:p14="http://schemas.microsoft.com/office/powerpoint/2010/main">
+    <mc:Choice Requires="p14">
       <p:transition spd="slow" p14:dur="1500">
         <p14:reveal thruBlk="1"/>
       </p:transition>
     </mc:Choice>
-    <mc:Fallback>
+    <mc:Fallback xmlns="">
       <p:transition spd="slow">
         <p:fade/>
       </p:transition>
@@ -11504,13 +11541,13 @@
   <p:clrMapOvr>
     <a:masterClrMapping/>
   </p:clrMapOvr>
-  <mc:AlternateContent xmlns:mc="http://schemas.openxmlformats.org/markup-compatibility/2006">
-    <mc:Choice xmlns:p14="http://schemas.microsoft.com/office/powerpoint/2010/main" Requires="p14">
+  <mc:AlternateContent xmlns:mc="http://schemas.openxmlformats.org/markup-compatibility/2006" xmlns:p14="http://schemas.microsoft.com/office/powerpoint/2010/main">
+    <mc:Choice Requires="p14">
       <p:transition spd="slow" p14:dur="1500">
         <p14:reveal thruBlk="1"/>
       </p:transition>
     </mc:Choice>
-    <mc:Fallback>
+    <mc:Fallback xmlns="">
       <p:transition spd="slow">
         <p:fade/>
       </p:transition>
@@ -12065,13 +12102,13 @@
   <p:clrMapOvr>
     <a:masterClrMapping/>
   </p:clrMapOvr>
-  <mc:AlternateContent xmlns:mc="http://schemas.openxmlformats.org/markup-compatibility/2006">
-    <mc:Choice xmlns:p14="http://schemas.microsoft.com/office/powerpoint/2010/main" Requires="p14">
+  <mc:AlternateContent xmlns:mc="http://schemas.openxmlformats.org/markup-compatibility/2006" xmlns:p14="http://schemas.microsoft.com/office/powerpoint/2010/main">
+    <mc:Choice Requires="p14">
       <p:transition spd="slow" p14:dur="1500">
         <p14:reveal thruBlk="1"/>
       </p:transition>
     </mc:Choice>
-    <mc:Fallback>
+    <mc:Fallback xmlns="">
       <p:transition spd="slow">
         <p:fade/>
       </p:transition>
